--- a/lectures/01-introduction.pptx
+++ b/lectures/01-introduction.pptx
@@ -217,7 +217,7 @@
           <a:p>
             <a:fld id="{53CD2493-0AFC-45FB-85C8-B9D552CC01B0}" type="datetimeFigureOut">
               <a:rPr lang="en-US" smtClean="0"/>
-              <a:t>20-Aug-18</a:t>
+              <a:t>21-Aug-18</a:t>
             </a:fld>
             <a:endParaRPr lang="en-US"/>
           </a:p>
@@ -1092,7 +1092,7 @@
             <a:fld id="{8DF9E8F3-4849-FA48-B4C8-2D894E979956}" type="datetimeFigureOut">
               <a:rPr lang="nn-NO" smtClean="0"/>
               <a:pPr/>
-              <a:t>20.08.2018</a:t>
+              <a:t>21.08.2018</a:t>
             </a:fld>
             <a:endParaRPr lang="nn-NO"/>
           </a:p>
@@ -1377,7 +1377,7 @@
             <a:fld id="{8DF9E8F3-4849-FA48-B4C8-2D894E979956}" type="datetimeFigureOut">
               <a:rPr lang="nn-NO" smtClean="0"/>
               <a:pPr/>
-              <a:t>20.08.2018</a:t>
+              <a:t>21.08.2018</a:t>
             </a:fld>
             <a:endParaRPr lang="nn-NO"/>
           </a:p>
@@ -1492,7 +1492,7 @@
             <a:fld id="{8DF9E8F3-4849-FA48-B4C8-2D894E979956}" type="datetimeFigureOut">
               <a:rPr lang="nn-NO" smtClean="0"/>
               <a:pPr/>
-              <a:t>20.08.2018</a:t>
+              <a:t>21.08.2018</a:t>
             </a:fld>
             <a:endParaRPr lang="nn-NO"/>
           </a:p>
@@ -1642,7 +1642,7 @@
             <a:fld id="{8DF9E8F3-4849-FA48-B4C8-2D894E979956}" type="datetimeFigureOut">
               <a:rPr lang="nn-NO" smtClean="0"/>
               <a:pPr/>
-              <a:t>20.08.2018</a:t>
+              <a:t>21.08.2018</a:t>
             </a:fld>
             <a:endParaRPr lang="nn-NO"/>
           </a:p>
@@ -1734,7 +1734,7 @@
             <a:fld id="{8DF9E8F3-4849-FA48-B4C8-2D894E979956}" type="datetimeFigureOut">
               <a:rPr lang="nn-NO" smtClean="0"/>
               <a:pPr/>
-              <a:t>20.08.2018</a:t>
+              <a:t>21.08.2018</a:t>
             </a:fld>
             <a:endParaRPr lang="nn-NO" dirty="0"/>
           </a:p>
@@ -2561,7 +2561,7 @@
             <a:fld id="{8DF9E8F3-4849-FA48-B4C8-2D894E979956}" type="datetimeFigureOut">
               <a:rPr lang="nn-NO" smtClean="0"/>
               <a:pPr/>
-              <a:t>20.08.2018</a:t>
+              <a:t>21.08.2018</a:t>
             </a:fld>
             <a:endParaRPr lang="nn-NO" dirty="0"/>
           </a:p>
@@ -3145,6 +3145,94 @@
           </a:p>
         </p:txBody>
       </p:sp>
+      <p:sp>
+        <p:nvSpPr>
+          <p:cNvPr id="4" name="TextBox 3">
+            <a:extLst>
+              <a:ext uri="{FF2B5EF4-FFF2-40B4-BE49-F238E27FC236}">
+                <a16:creationId xmlns:a16="http://schemas.microsoft.com/office/drawing/2014/main" id="{79D07B06-84CF-498A-821A-D6249AFA8610}"/>
+              </a:ext>
+            </a:extLst>
+          </p:cNvPr>
+          <p:cNvSpPr txBox="1"/>
+          <p:nvPr/>
+        </p:nvSpPr>
+        <p:spPr>
+          <a:xfrm>
+            <a:off x="5208105" y="675861"/>
+            <a:ext cx="3384250" cy="461665"/>
+          </a:xfrm>
+          <a:prstGeom prst="rect">
+            <a:avLst/>
+          </a:prstGeom>
+          <a:solidFill>
+            <a:srgbClr val="EDEDED"/>
+          </a:solidFill>
+          <a:ln>
+            <a:solidFill>
+              <a:srgbClr val="FF0000"/>
+            </a:solidFill>
+          </a:ln>
+        </p:spPr>
+        <p:txBody>
+          <a:bodyPr wrap="square" rtlCol="0">
+            <a:spAutoFit/>
+          </a:bodyPr>
+          <a:lstStyle/>
+          <a:p>
+            <a:r>
+              <a:rPr lang="en-US" sz="2400" dirty="0"/>
+              <a:t>tinyurl.com/inf-2202-f18</a:t>
+            </a:r>
+          </a:p>
+        </p:txBody>
+      </p:sp>
+      <p:sp>
+        <p:nvSpPr>
+          <p:cNvPr id="5" name="Arrow: Right 4">
+            <a:extLst>
+              <a:ext uri="{FF2B5EF4-FFF2-40B4-BE49-F238E27FC236}">
+                <a16:creationId xmlns:a16="http://schemas.microsoft.com/office/drawing/2014/main" id="{E855255E-68BE-43C4-B855-FE7AC14C0F20}"/>
+              </a:ext>
+            </a:extLst>
+          </p:cNvPr>
+          <p:cNvSpPr/>
+          <p:nvPr/>
+        </p:nvSpPr>
+        <p:spPr>
+          <a:xfrm rot="18984604">
+            <a:off x="3671659" y="1427233"/>
+            <a:ext cx="1641638" cy="812598"/>
+          </a:xfrm>
+          <a:prstGeom prst="rightArrow">
+            <a:avLst/>
+          </a:prstGeom>
+        </p:spPr>
+        <p:style>
+          <a:lnRef idx="2">
+            <a:schemeClr val="accent2">
+              <a:shade val="50000"/>
+            </a:schemeClr>
+          </a:lnRef>
+          <a:fillRef idx="1">
+            <a:schemeClr val="accent2"/>
+          </a:fillRef>
+          <a:effectRef idx="0">
+            <a:schemeClr val="accent2"/>
+          </a:effectRef>
+          <a:fontRef idx="minor">
+            <a:schemeClr val="lt1"/>
+          </a:fontRef>
+        </p:style>
+        <p:txBody>
+          <a:bodyPr rtlCol="0" anchor="ctr"/>
+          <a:lstStyle/>
+          <a:p>
+            <a:pPr algn="ctr"/>
+            <a:endParaRPr lang="en-US"/>
+          </a:p>
+        </p:txBody>
+      </p:sp>
     </p:spTree>
   </p:cSld>
   <p:clrMapOvr>
@@ -3526,8 +3614,56 @@
             <a:pPr lvl="1"/>
             <a:r>
               <a:rPr lang="en-US" dirty="0"/>
-              <a:t>…?</a:t>
-            </a:r>
+              <a:t>Dag Brattli (</a:t>
+            </a:r>
+            <a:r>
+              <a:rPr lang="en-US" dirty="0" err="1"/>
+              <a:t>Serit</a:t>
+            </a:r>
+            <a:r>
+              <a:rPr lang="en-US" dirty="0"/>
+              <a:t> IT Partner)</a:t>
+            </a:r>
+          </a:p>
+          <a:p>
+            <a:pPr lvl="1"/>
+            <a:r>
+              <a:rPr lang="en-US" dirty="0"/>
+              <a:t>Jonas Juselius (</a:t>
+            </a:r>
+            <a:r>
+              <a:rPr lang="en-US" dirty="0" err="1"/>
+              <a:t>Serit</a:t>
+            </a:r>
+            <a:r>
+              <a:rPr lang="en-US" dirty="0"/>
+              <a:t> IT Partner, IFI)</a:t>
+            </a:r>
+          </a:p>
+          <a:p>
+            <a:pPr lvl="1"/>
+            <a:r>
+              <a:rPr lang="en-US" dirty="0"/>
+              <a:t>Jan-Ove Karlberg (Microsoft)</a:t>
+            </a:r>
+          </a:p>
+          <a:p>
+            <a:pPr lvl="1"/>
+            <a:r>
+              <a:rPr lang="en-US" dirty="0"/>
+              <a:t>Tor Kreutzer (Microsoft)</a:t>
+            </a:r>
+          </a:p>
+          <a:p>
+            <a:pPr lvl="1"/>
+            <a:r>
+              <a:rPr lang="en-US" dirty="0"/>
+              <a:t>?</a:t>
+            </a:r>
+          </a:p>
+          <a:p>
+            <a:pPr lvl="1"/>
+            <a:endParaRPr lang="en-US" dirty="0"/>
           </a:p>
         </p:txBody>
       </p:sp>
